--- a/Final Project/Presentation/APPM 4600 Final Presentation.pptx
+++ b/Final Project/Presentation/APPM 4600 Final Presentation.pptx
@@ -7,6 +7,7 @@
   <p:sldIdLst>
     <p:sldId id="256" r:id="rId2"/>
     <p:sldId id="257" r:id="rId3"/>
+    <p:sldId id="258" r:id="rId4"/>
   </p:sldIdLst>
   <p:sldSz cx="12192000" cy="6858000"/>
   <p:notesSz cx="6858000" cy="9144000"/>
@@ -105,6 +106,11 @@
       </a:defRPr>
     </a:lvl9pPr>
   </p:defaultTextStyle>
+  <p:extLst>
+    <p:ext uri="{EFAFB233-063F-42B5-8137-9DF3F51BA10A}">
+      <p15:sldGuideLst xmlns:p15="http://schemas.microsoft.com/office/powerpoint/2012/main"/>
+    </p:ext>
+  </p:extLst>
 </p:presentation>
 </file>
 
@@ -120,8 +126,8 @@
 <pc:chgInfo xmlns:a="http://schemas.openxmlformats.org/drawingml/2006/main" xmlns:r="http://schemas.openxmlformats.org/officeDocument/2006/relationships" xmlns:ac="http://schemas.microsoft.com/office/drawing/2013/main/command" xmlns:pc="http://schemas.microsoft.com/office/powerpoint/2013/main/command">
   <pc:docChgLst>
     <pc:chgData name="Caleb Maddry" userId="7f505f95dfb4af7a" providerId="LiveId" clId="{DE2E4437-C687-4999-B89E-E45131BB8929}"/>
-    <pc:docChg chg="undo custSel addSld modSld">
-      <pc:chgData name="Caleb Maddry" userId="7f505f95dfb4af7a" providerId="LiveId" clId="{DE2E4437-C687-4999-B89E-E45131BB8929}" dt="2024-12-07T19:22:05.109" v="132" actId="14100"/>
+    <pc:docChg chg="undo custSel addSld delSld modSld">
+      <pc:chgData name="Caleb Maddry" userId="7f505f95dfb4af7a" providerId="LiveId" clId="{DE2E4437-C687-4999-B89E-E45131BB8929}" dt="2024-12-08T23:25:25.996" v="959" actId="404"/>
       <pc:docMkLst>
         <pc:docMk/>
       </pc:docMkLst>
@@ -148,14 +154,14 @@
           </ac:spMkLst>
         </pc:spChg>
       </pc:sldChg>
-      <pc:sldChg chg="modSp new mod setBg">
-        <pc:chgData name="Caleb Maddry" userId="7f505f95dfb4af7a" providerId="LiveId" clId="{DE2E4437-C687-4999-B89E-E45131BB8929}" dt="2024-12-07T19:22:05.109" v="132" actId="14100"/>
+      <pc:sldChg chg="addSp modSp new mod setBg">
+        <pc:chgData name="Caleb Maddry" userId="7f505f95dfb4af7a" providerId="LiveId" clId="{DE2E4437-C687-4999-B89E-E45131BB8929}" dt="2024-12-08T23:25:25.996" v="959" actId="404"/>
         <pc:sldMkLst>
           <pc:docMk/>
           <pc:sldMk cId="443041042" sldId="257"/>
         </pc:sldMkLst>
         <pc:spChg chg="mod">
-          <ac:chgData name="Caleb Maddry" userId="7f505f95dfb4af7a" providerId="LiveId" clId="{DE2E4437-C687-4999-B89E-E45131BB8929}" dt="2024-12-07T19:22:05.109" v="132" actId="14100"/>
+          <ac:chgData name="Caleb Maddry" userId="7f505f95dfb4af7a" providerId="LiveId" clId="{DE2E4437-C687-4999-B89E-E45131BB8929}" dt="2024-12-08T23:23:21.703" v="943" actId="20577"/>
           <ac:spMkLst>
             <pc:docMk/>
             <pc:sldMk cId="443041042" sldId="257"/>
@@ -163,13 +169,106 @@
           </ac:spMkLst>
         </pc:spChg>
         <pc:spChg chg="mod">
-          <ac:chgData name="Caleb Maddry" userId="7f505f95dfb4af7a" providerId="LiveId" clId="{DE2E4437-C687-4999-B89E-E45131BB8929}" dt="2024-12-07T19:21:55.896" v="130" actId="2711"/>
+          <ac:chgData name="Caleb Maddry" userId="7f505f95dfb4af7a" providerId="LiveId" clId="{DE2E4437-C687-4999-B89E-E45131BB8929}" dt="2024-12-08T23:25:25.996" v="959" actId="404"/>
           <ac:spMkLst>
             <pc:docMk/>
             <pc:sldMk cId="443041042" sldId="257"/>
             <ac:spMk id="3" creationId="{BD2D653B-E222-DCA0-87D3-FBFBAAA1B23B}"/>
           </ac:spMkLst>
         </pc:spChg>
+        <pc:spChg chg="add mod">
+          <ac:chgData name="Caleb Maddry" userId="7f505f95dfb4af7a" providerId="LiveId" clId="{DE2E4437-C687-4999-B89E-E45131BB8929}" dt="2024-12-08T23:20:01.639" v="807" actId="207"/>
+          <ac:spMkLst>
+            <pc:docMk/>
+            <pc:sldMk cId="443041042" sldId="257"/>
+            <ac:spMk id="6" creationId="{2B5C282E-9948-F6D4-B89D-ACD5D987F800}"/>
+          </ac:spMkLst>
+        </pc:spChg>
+        <pc:spChg chg="add mod">
+          <ac:chgData name="Caleb Maddry" userId="7f505f95dfb4af7a" providerId="LiveId" clId="{DE2E4437-C687-4999-B89E-E45131BB8929}" dt="2024-12-08T23:19:52.625" v="805" actId="207"/>
+          <ac:spMkLst>
+            <pc:docMk/>
+            <pc:sldMk cId="443041042" sldId="257"/>
+            <ac:spMk id="9" creationId="{063E0FE5-9713-C1AE-4CB5-5839FC6720D9}"/>
+          </ac:spMkLst>
+        </pc:spChg>
+        <pc:picChg chg="add mod modCrop">
+          <ac:chgData name="Caleb Maddry" userId="7f505f95dfb4af7a" providerId="LiveId" clId="{DE2E4437-C687-4999-B89E-E45131BB8929}" dt="2024-12-08T23:18:20.371" v="755" actId="1582"/>
+          <ac:picMkLst>
+            <pc:docMk/>
+            <pc:sldMk cId="443041042" sldId="257"/>
+            <ac:picMk id="5" creationId="{C3D4F5F4-B144-B98A-A9B5-811384E59BED}"/>
+          </ac:picMkLst>
+        </pc:picChg>
+        <pc:picChg chg="add mod modCrop">
+          <ac:chgData name="Caleb Maddry" userId="7f505f95dfb4af7a" providerId="LiveId" clId="{DE2E4437-C687-4999-B89E-E45131BB8929}" dt="2024-12-08T23:20:05.843" v="808" actId="1076"/>
+          <ac:picMkLst>
+            <pc:docMk/>
+            <pc:sldMk cId="443041042" sldId="257"/>
+            <ac:picMk id="8" creationId="{4ECF481C-2149-847D-2CAC-550AE37910BB}"/>
+          </ac:picMkLst>
+        </pc:picChg>
+      </pc:sldChg>
+      <pc:sldChg chg="addSp delSp modSp mod">
+        <pc:chgData name="Caleb Maddry" userId="7f505f95dfb4af7a" providerId="LiveId" clId="{DE2E4437-C687-4999-B89E-E45131BB8929}" dt="2024-12-08T23:13:52.172" v="745" actId="1076"/>
+        <pc:sldMkLst>
+          <pc:docMk/>
+          <pc:sldMk cId="3084354289" sldId="258"/>
+        </pc:sldMkLst>
+        <pc:spChg chg="mod">
+          <ac:chgData name="Caleb Maddry" userId="7f505f95dfb4af7a" providerId="LiveId" clId="{DE2E4437-C687-4999-B89E-E45131BB8929}" dt="2024-12-08T22:46:18.552" v="741" actId="20577"/>
+          <ac:spMkLst>
+            <pc:docMk/>
+            <pc:sldMk cId="3084354289" sldId="258"/>
+            <ac:spMk id="2" creationId="{B2A600DC-A5E9-A3AD-7C86-4E690C268150}"/>
+          </ac:spMkLst>
+        </pc:spChg>
+        <pc:spChg chg="mod">
+          <ac:chgData name="Caleb Maddry" userId="7f505f95dfb4af7a" providerId="LiveId" clId="{DE2E4437-C687-4999-B89E-E45131BB8929}" dt="2024-12-08T22:45:50.635" v="709" actId="20577"/>
+          <ac:spMkLst>
+            <pc:docMk/>
+            <pc:sldMk cId="3084354289" sldId="258"/>
+            <ac:spMk id="3" creationId="{C73E853D-48E9-B9DA-DC67-87354BEE5893}"/>
+          </ac:spMkLst>
+        </pc:spChg>
+        <pc:spChg chg="del">
+          <ac:chgData name="Caleb Maddry" userId="7f505f95dfb4af7a" providerId="LiveId" clId="{DE2E4437-C687-4999-B89E-E45131BB8929}" dt="2024-12-08T22:45:52.842" v="711" actId="478"/>
+          <ac:spMkLst>
+            <pc:docMk/>
+            <pc:sldMk cId="3084354289" sldId="258"/>
+            <ac:spMk id="6" creationId="{AE419C9D-50F1-A6BA-8E18-55A436D089EE}"/>
+          </ac:spMkLst>
+        </pc:spChg>
+        <pc:picChg chg="add mod">
+          <ac:chgData name="Caleb Maddry" userId="7f505f95dfb4af7a" providerId="LiveId" clId="{DE2E4437-C687-4999-B89E-E45131BB8929}" dt="2024-12-08T23:13:52.172" v="745" actId="1076"/>
+          <ac:picMkLst>
+            <pc:docMk/>
+            <pc:sldMk cId="3084354289" sldId="258"/>
+            <ac:picMk id="4" creationId="{284D1A16-B437-B135-F74C-701E27DA3DA4}"/>
+          </ac:picMkLst>
+        </pc:picChg>
+        <pc:picChg chg="del">
+          <ac:chgData name="Caleb Maddry" userId="7f505f95dfb4af7a" providerId="LiveId" clId="{DE2E4437-C687-4999-B89E-E45131BB8929}" dt="2024-12-08T22:45:51.188" v="710" actId="478"/>
+          <ac:picMkLst>
+            <pc:docMk/>
+            <pc:sldMk cId="3084354289" sldId="258"/>
+            <ac:picMk id="5" creationId="{E33B767F-C234-CB5D-6958-A923B81033AC}"/>
+          </ac:picMkLst>
+        </pc:picChg>
+      </pc:sldChg>
+      <pc:sldChg chg="new del">
+        <pc:chgData name="Caleb Maddry" userId="7f505f95dfb4af7a" providerId="LiveId" clId="{DE2E4437-C687-4999-B89E-E45131BB8929}" dt="2024-12-08T22:19:24.248" v="237" actId="47"/>
+        <pc:sldMkLst>
+          <pc:docMk/>
+          <pc:sldMk cId="3567899556" sldId="258"/>
+        </pc:sldMkLst>
+      </pc:sldChg>
+      <pc:sldChg chg="add del setBg">
+        <pc:chgData name="Caleb Maddry" userId="7f505f95dfb4af7a" providerId="LiveId" clId="{DE2E4437-C687-4999-B89E-E45131BB8929}" dt="2024-12-08T22:45:32.265" v="702" actId="47"/>
+        <pc:sldMkLst>
+          <pc:docMk/>
+          <pc:sldMk cId="4175512217" sldId="258"/>
+        </pc:sldMkLst>
       </pc:sldChg>
     </pc:docChg>
   </pc:docChgLst>
@@ -323,7 +422,7 @@
           <a:p>
             <a:fld id="{8FD49FD0-ECD9-45C6-BF89-AD0F696E20EF}" type="datetimeFigureOut">
               <a:rPr lang="en-US" smtClean="0"/>
-              <a:t>12/7/2024</a:t>
+              <a:t>12/8/2024</a:t>
             </a:fld>
             <a:endParaRPr lang="en-US"/>
           </a:p>
@@ -521,7 +620,7 @@
           <a:p>
             <a:fld id="{8FD49FD0-ECD9-45C6-BF89-AD0F696E20EF}" type="datetimeFigureOut">
               <a:rPr lang="en-US" smtClean="0"/>
-              <a:t>12/7/2024</a:t>
+              <a:t>12/8/2024</a:t>
             </a:fld>
             <a:endParaRPr lang="en-US"/>
           </a:p>
@@ -729,7 +828,7 @@
           <a:p>
             <a:fld id="{8FD49FD0-ECD9-45C6-BF89-AD0F696E20EF}" type="datetimeFigureOut">
               <a:rPr lang="en-US" smtClean="0"/>
-              <a:t>12/7/2024</a:t>
+              <a:t>12/8/2024</a:t>
             </a:fld>
             <a:endParaRPr lang="en-US"/>
           </a:p>
@@ -927,7 +1026,7 @@
           <a:p>
             <a:fld id="{8FD49FD0-ECD9-45C6-BF89-AD0F696E20EF}" type="datetimeFigureOut">
               <a:rPr lang="en-US" smtClean="0"/>
-              <a:t>12/7/2024</a:t>
+              <a:t>12/8/2024</a:t>
             </a:fld>
             <a:endParaRPr lang="en-US"/>
           </a:p>
@@ -1202,7 +1301,7 @@
           <a:p>
             <a:fld id="{8FD49FD0-ECD9-45C6-BF89-AD0F696E20EF}" type="datetimeFigureOut">
               <a:rPr lang="en-US" smtClean="0"/>
-              <a:t>12/7/2024</a:t>
+              <a:t>12/8/2024</a:t>
             </a:fld>
             <a:endParaRPr lang="en-US"/>
           </a:p>
@@ -1467,7 +1566,7 @@
           <a:p>
             <a:fld id="{8FD49FD0-ECD9-45C6-BF89-AD0F696E20EF}" type="datetimeFigureOut">
               <a:rPr lang="en-US" smtClean="0"/>
-              <a:t>12/7/2024</a:t>
+              <a:t>12/8/2024</a:t>
             </a:fld>
             <a:endParaRPr lang="en-US"/>
           </a:p>
@@ -1879,7 +1978,7 @@
           <a:p>
             <a:fld id="{8FD49FD0-ECD9-45C6-BF89-AD0F696E20EF}" type="datetimeFigureOut">
               <a:rPr lang="en-US" smtClean="0"/>
-              <a:t>12/7/2024</a:t>
+              <a:t>12/8/2024</a:t>
             </a:fld>
             <a:endParaRPr lang="en-US"/>
           </a:p>
@@ -2020,7 +2119,7 @@
           <a:p>
             <a:fld id="{8FD49FD0-ECD9-45C6-BF89-AD0F696E20EF}" type="datetimeFigureOut">
               <a:rPr lang="en-US" smtClean="0"/>
-              <a:t>12/7/2024</a:t>
+              <a:t>12/8/2024</a:t>
             </a:fld>
             <a:endParaRPr lang="en-US"/>
           </a:p>
@@ -2133,7 +2232,7 @@
           <a:p>
             <a:fld id="{8FD49FD0-ECD9-45C6-BF89-AD0F696E20EF}" type="datetimeFigureOut">
               <a:rPr lang="en-US" smtClean="0"/>
-              <a:t>12/7/2024</a:t>
+              <a:t>12/8/2024</a:t>
             </a:fld>
             <a:endParaRPr lang="en-US"/>
           </a:p>
@@ -2444,7 +2543,7 @@
           <a:p>
             <a:fld id="{8FD49FD0-ECD9-45C6-BF89-AD0F696E20EF}" type="datetimeFigureOut">
               <a:rPr lang="en-US" smtClean="0"/>
-              <a:t>12/7/2024</a:t>
+              <a:t>12/8/2024</a:t>
             </a:fld>
             <a:endParaRPr lang="en-US"/>
           </a:p>
@@ -2732,7 +2831,7 @@
           <a:p>
             <a:fld id="{8FD49FD0-ECD9-45C6-BF89-AD0F696E20EF}" type="datetimeFigureOut">
               <a:rPr lang="en-US" smtClean="0"/>
-              <a:t>12/7/2024</a:t>
+              <a:t>12/8/2024</a:t>
             </a:fld>
             <a:endParaRPr lang="en-US"/>
           </a:p>
@@ -2973,7 +3072,7 @@
           <a:p>
             <a:fld id="{8FD49FD0-ECD9-45C6-BF89-AD0F696E20EF}" type="datetimeFigureOut">
               <a:rPr lang="en-US" smtClean="0"/>
-              <a:t>12/7/2024</a:t>
+              <a:t>12/8/2024</a:t>
             </a:fld>
             <a:endParaRPr lang="en-US"/>
           </a:p>
@@ -3530,7 +3629,7 @@
         </p:nvSpPr>
         <p:spPr>
           <a:xfrm>
-            <a:off x="838200" y="365126"/>
+            <a:off x="376030" y="201130"/>
             <a:ext cx="10515600" cy="866516"/>
           </a:xfrm>
         </p:spPr>
@@ -3539,38 +3638,761 @@
           <a:lstStyle/>
           <a:p>
             <a:r>
+              <a:rPr lang="en-US" b="1" dirty="0">
+                <a:latin typeface="Georgia" panose="02040502050405020303" pitchFamily="18" charset="0"/>
+              </a:rPr>
+              <a:t>What is optimization?</a:t>
+            </a:r>
+          </a:p>
+        </p:txBody>
+      </p:sp>
+      <p:sp>
+        <p:nvSpPr>
+          <p:cNvPr id="3" name="Content Placeholder 2">
+            <a:extLst>
+              <a:ext uri="{FF2B5EF4-FFF2-40B4-BE49-F238E27FC236}">
+                <a16:creationId xmlns:a16="http://schemas.microsoft.com/office/drawing/2014/main" id="{BD2D653B-E222-DCA0-87D3-FBFBAAA1B23B}"/>
+              </a:ext>
+            </a:extLst>
+          </p:cNvPr>
+          <p:cNvSpPr>
+            <a:spLocks noGrp="1"/>
+          </p:cNvSpPr>
+          <p:nvPr>
+            <p:ph idx="1"/>
+          </p:nvPr>
+        </p:nvSpPr>
+        <p:spPr>
+          <a:xfrm>
+            <a:off x="376030" y="1179520"/>
+            <a:ext cx="7106810" cy="5507133"/>
+          </a:xfrm>
+        </p:spPr>
+        <p:txBody>
+          <a:bodyPr>
+            <a:normAutofit lnSpcReduction="10000"/>
+          </a:bodyPr>
+          <a:lstStyle/>
+          <a:p>
+            <a:pPr marL="0" indent="0">
+              <a:buNone/>
+            </a:pPr>
+            <a:r>
+              <a:rPr lang="en-US" dirty="0">
+                <a:solidFill>
+                  <a:schemeClr val="tx2">
+                    <a:lumMod val="90000"/>
+                    <a:lumOff val="10000"/>
+                  </a:schemeClr>
+                </a:solidFill>
+                <a:latin typeface="Georgia" panose="02040502050405020303" pitchFamily="18" charset="0"/>
+              </a:rPr>
+              <a:t>Minimization of a function given a set of inputs</a:t>
+            </a:r>
+          </a:p>
+          <a:p>
+            <a:pPr marL="0" indent="0">
+              <a:buNone/>
+            </a:pPr>
+            <a:endParaRPr lang="en-US" sz="800" dirty="0">
+              <a:latin typeface="Georgia" panose="02040502050405020303" pitchFamily="18" charset="0"/>
+            </a:endParaRPr>
+          </a:p>
+          <a:p>
+            <a:pPr marL="0" indent="0">
+              <a:buNone/>
+            </a:pPr>
+            <a:r>
               <a:rPr lang="en-US" dirty="0">
                 <a:latin typeface="Georgia" panose="02040502050405020303" pitchFamily="18" charset="0"/>
               </a:rPr>
-              <a:t>Background</a:t>
-            </a:r>
-          </a:p>
-        </p:txBody>
-      </p:sp>
-      <p:sp>
-        <p:nvSpPr>
-          <p:cNvPr id="3" name="Content Placeholder 2">
-            <a:extLst>
-              <a:ext uri="{FF2B5EF4-FFF2-40B4-BE49-F238E27FC236}">
-                <a16:creationId xmlns:a16="http://schemas.microsoft.com/office/drawing/2014/main" id="{BD2D653B-E222-DCA0-87D3-FBFBAAA1B23B}"/>
-              </a:ext>
-            </a:extLst>
-          </p:cNvPr>
-          <p:cNvSpPr>
-            <a:spLocks noGrp="1"/>
-          </p:cNvSpPr>
-          <p:nvPr>
-            <p:ph idx="1"/>
-          </p:nvPr>
-        </p:nvSpPr>
-        <p:spPr/>
-        <p:txBody>
-          <a:bodyPr/>
-          <a:lstStyle/>
-          <a:p>
+              <a:t>Applications of numerical optimization </a:t>
+            </a:r>
+          </a:p>
+          <a:p>
+            <a:pPr lvl="1"/>
+            <a:r>
+              <a:rPr lang="en-US" dirty="0">
+                <a:solidFill>
+                  <a:schemeClr val="tx2">
+                    <a:lumMod val="90000"/>
+                    <a:lumOff val="10000"/>
+                  </a:schemeClr>
+                </a:solidFill>
+                <a:latin typeface="Georgia" panose="02040502050405020303" pitchFamily="18" charset="0"/>
+              </a:rPr>
+              <a:t>Science/Engineering</a:t>
+            </a:r>
+          </a:p>
+          <a:p>
+            <a:pPr lvl="2"/>
+            <a:r>
+              <a:rPr lang="en-US" dirty="0">
+                <a:solidFill>
+                  <a:schemeClr val="accent6">
+                    <a:lumMod val="50000"/>
+                  </a:schemeClr>
+                </a:solidFill>
+                <a:latin typeface="Georgia" panose="02040502050405020303" pitchFamily="18" charset="0"/>
+              </a:rPr>
+              <a:t>Molecular modeling</a:t>
+            </a:r>
+          </a:p>
+          <a:p>
+            <a:pPr lvl="2"/>
+            <a:r>
+              <a:rPr lang="en-US" dirty="0">
+                <a:solidFill>
+                  <a:schemeClr val="accent6">
+                    <a:lumMod val="50000"/>
+                  </a:schemeClr>
+                </a:solidFill>
+                <a:latin typeface="Georgia" panose="02040502050405020303" pitchFamily="18" charset="0"/>
+              </a:rPr>
+              <a:t>Control systems</a:t>
+            </a:r>
+          </a:p>
+          <a:p>
+            <a:pPr lvl="1"/>
+            <a:r>
+              <a:rPr lang="en-US" dirty="0">
+                <a:solidFill>
+                  <a:schemeClr val="tx2">
+                    <a:lumMod val="90000"/>
+                    <a:lumOff val="10000"/>
+                  </a:schemeClr>
+                </a:solidFill>
+                <a:latin typeface="Georgia" panose="02040502050405020303" pitchFamily="18" charset="0"/>
+              </a:rPr>
+              <a:t>Finance</a:t>
+            </a:r>
+            <a:endParaRPr lang="en-US" sz="2800" dirty="0">
+              <a:solidFill>
+                <a:schemeClr val="tx2">
+                  <a:lumMod val="90000"/>
+                  <a:lumOff val="10000"/>
+                </a:schemeClr>
+              </a:solidFill>
+              <a:latin typeface="Georgia" panose="02040502050405020303" pitchFamily="18" charset="0"/>
+            </a:endParaRPr>
+          </a:p>
+          <a:p>
+            <a:pPr lvl="2"/>
+            <a:r>
+              <a:rPr lang="en-US" dirty="0">
+                <a:solidFill>
+                  <a:schemeClr val="accent6">
+                    <a:lumMod val="50000"/>
+                  </a:schemeClr>
+                </a:solidFill>
+                <a:latin typeface="Georgia" panose="02040502050405020303" pitchFamily="18" charset="0"/>
+              </a:rPr>
+              <a:t>Portfolio optimization</a:t>
+            </a:r>
+          </a:p>
+          <a:p>
+            <a:pPr lvl="2"/>
+            <a:r>
+              <a:rPr lang="en-US" dirty="0">
+                <a:solidFill>
+                  <a:schemeClr val="accent6">
+                    <a:lumMod val="50000"/>
+                  </a:schemeClr>
+                </a:solidFill>
+                <a:latin typeface="Georgia" panose="02040502050405020303" pitchFamily="18" charset="0"/>
+              </a:rPr>
+              <a:t>Econometric models</a:t>
+            </a:r>
+          </a:p>
+          <a:p>
+            <a:pPr lvl="1"/>
+            <a:r>
+              <a:rPr lang="en-US" dirty="0">
+                <a:solidFill>
+                  <a:schemeClr val="tx2">
+                    <a:lumMod val="90000"/>
+                    <a:lumOff val="10000"/>
+                  </a:schemeClr>
+                </a:solidFill>
+                <a:latin typeface="Georgia" panose="02040502050405020303" pitchFamily="18" charset="0"/>
+              </a:rPr>
+              <a:t>Policy</a:t>
+            </a:r>
+          </a:p>
+          <a:p>
+            <a:pPr lvl="2"/>
+            <a:r>
+              <a:rPr lang="en-US" dirty="0">
+                <a:solidFill>
+                  <a:schemeClr val="accent6">
+                    <a:lumMod val="50000"/>
+                  </a:schemeClr>
+                </a:solidFill>
+                <a:latin typeface="Georgia" panose="02040502050405020303" pitchFamily="18" charset="0"/>
+              </a:rPr>
+              <a:t>Resource allocation </a:t>
+            </a:r>
+          </a:p>
+          <a:p>
+            <a:pPr lvl="2"/>
+            <a:r>
+              <a:rPr lang="en-US" dirty="0">
+                <a:solidFill>
+                  <a:schemeClr val="accent6">
+                    <a:lumMod val="50000"/>
+                  </a:schemeClr>
+                </a:solidFill>
+                <a:latin typeface="Georgia" panose="02040502050405020303" pitchFamily="18" charset="0"/>
+              </a:rPr>
+              <a:t>Risk models</a:t>
+            </a:r>
+          </a:p>
+          <a:p>
+            <a:pPr marL="914400" lvl="2" indent="0">
+              <a:buNone/>
+            </a:pPr>
+            <a:endParaRPr lang="en-US" sz="2000" dirty="0">
+              <a:solidFill>
+                <a:schemeClr val="accent6">
+                  <a:lumMod val="50000"/>
+                </a:schemeClr>
+              </a:solidFill>
+              <a:latin typeface="Georgia" panose="02040502050405020303" pitchFamily="18" charset="0"/>
+            </a:endParaRPr>
+          </a:p>
+          <a:p>
+            <a:pPr marL="0" indent="0">
+              <a:buNone/>
+            </a:pPr>
+            <a:r>
+              <a:rPr lang="en-US" sz="2400" dirty="0">
+                <a:solidFill>
+                  <a:schemeClr val="tx2">
+                    <a:lumMod val="90000"/>
+                    <a:lumOff val="10000"/>
+                  </a:schemeClr>
+                </a:solidFill>
+                <a:latin typeface="Georgia" panose="02040502050405020303" pitchFamily="18" charset="0"/>
+              </a:rPr>
+              <a:t>Applications of optimization are </a:t>
+            </a:r>
+            <a:r>
+              <a:rPr lang="en-US" sz="2400" b="1" dirty="0">
+                <a:solidFill>
+                  <a:schemeClr val="tx2">
+                    <a:lumMod val="90000"/>
+                    <a:lumOff val="10000"/>
+                  </a:schemeClr>
+                </a:solidFill>
+                <a:latin typeface="Georgia" panose="02040502050405020303" pitchFamily="18" charset="0"/>
+              </a:rPr>
+              <a:t>everywhere</a:t>
+            </a:r>
             <a:endParaRPr lang="en-US" dirty="0">
               <a:latin typeface="Georgia" panose="02040502050405020303" pitchFamily="18" charset="0"/>
             </a:endParaRPr>
+          </a:p>
+        </p:txBody>
+      </p:sp>
+      <p:pic>
+        <p:nvPicPr>
+          <p:cNvPr id="5" name="Picture 4" descr="A diagram of a ph and a diagram of a ph&#10;&#10;Description automatically generated">
+            <a:extLst>
+              <a:ext uri="{FF2B5EF4-FFF2-40B4-BE49-F238E27FC236}">
+                <a16:creationId xmlns:a16="http://schemas.microsoft.com/office/drawing/2014/main" id="{C3D4F5F4-B144-B98A-A9B5-811384E59BED}"/>
+              </a:ext>
+            </a:extLst>
+          </p:cNvPr>
+          <p:cNvPicPr>
+            <a:picLocks noChangeAspect="1"/>
+          </p:cNvPicPr>
+          <p:nvPr/>
+        </p:nvPicPr>
+        <p:blipFill>
+          <a:blip r:embed="rId2">
+            <a:extLst>
+              <a:ext uri="{28A0092B-C50C-407E-A947-70E740481C1C}">
+                <a14:useLocalDpi xmlns:a14="http://schemas.microsoft.com/office/drawing/2010/main" val="0"/>
+              </a:ext>
+            </a:extLst>
+          </a:blip>
+          <a:srcRect l="44179" t="4885" b="42528"/>
+          <a:stretch/>
+        </p:blipFill>
+        <p:spPr>
+          <a:xfrm>
+            <a:off x="8079340" y="3076410"/>
+            <a:ext cx="3921458" cy="3367017"/>
+          </a:xfrm>
+          <a:prstGeom prst="rect">
+            <a:avLst/>
+          </a:prstGeom>
+          <a:ln w="19050">
+            <a:solidFill>
+              <a:schemeClr val="tx2">
+                <a:lumMod val="90000"/>
+                <a:lumOff val="10000"/>
+              </a:schemeClr>
+            </a:solidFill>
+          </a:ln>
+        </p:spPr>
+      </p:pic>
+      <p:sp>
+        <p:nvSpPr>
+          <p:cNvPr id="6" name="Content Placeholder 2">
+            <a:extLst>
+              <a:ext uri="{FF2B5EF4-FFF2-40B4-BE49-F238E27FC236}">
+                <a16:creationId xmlns:a16="http://schemas.microsoft.com/office/drawing/2014/main" id="{2B5C282E-9948-F6D4-B89D-ACD5D987F800}"/>
+              </a:ext>
+            </a:extLst>
+          </p:cNvPr>
+          <p:cNvSpPr txBox="1">
+            <a:spLocks/>
+          </p:cNvSpPr>
+          <p:nvPr/>
+        </p:nvSpPr>
+        <p:spPr>
+          <a:xfrm>
+            <a:off x="10132943" y="6515306"/>
+            <a:ext cx="2226366" cy="342694"/>
+          </a:xfrm>
+          <a:prstGeom prst="rect">
+            <a:avLst/>
+          </a:prstGeom>
+        </p:spPr>
+        <p:txBody>
+          <a:bodyPr vert="horz" lIns="91440" tIns="45720" rIns="91440" bIns="45720" rtlCol="0">
+            <a:normAutofit/>
+          </a:bodyPr>
+          <a:lstStyle>
+            <a:lvl1pPr marL="228600" indent="-228600" algn="l" defTabSz="914400" rtl="0" eaLnBrk="1" latinLnBrk="0" hangingPunct="1">
+              <a:lnSpc>
+                <a:spcPct val="90000"/>
+              </a:lnSpc>
+              <a:spcBef>
+                <a:spcPts val="1000"/>
+              </a:spcBef>
+              <a:buFont typeface="Arial" panose="020B0604020202020204" pitchFamily="34" charset="0"/>
+              <a:buChar char="•"/>
+              <a:defRPr sz="2800" kern="1200">
+                <a:solidFill>
+                  <a:schemeClr val="tx1"/>
+                </a:solidFill>
+                <a:latin typeface="+mn-lt"/>
+                <a:ea typeface="+mn-ea"/>
+                <a:cs typeface="+mn-cs"/>
+              </a:defRPr>
+            </a:lvl1pPr>
+            <a:lvl2pPr marL="685800" indent="-228600" algn="l" defTabSz="914400" rtl="0" eaLnBrk="1" latinLnBrk="0" hangingPunct="1">
+              <a:lnSpc>
+                <a:spcPct val="90000"/>
+              </a:lnSpc>
+              <a:spcBef>
+                <a:spcPts val="500"/>
+              </a:spcBef>
+              <a:buFont typeface="Arial" panose="020B0604020202020204" pitchFamily="34" charset="0"/>
+              <a:buChar char="•"/>
+              <a:defRPr sz="2400" kern="1200">
+                <a:solidFill>
+                  <a:schemeClr val="tx1"/>
+                </a:solidFill>
+                <a:latin typeface="+mn-lt"/>
+                <a:ea typeface="+mn-ea"/>
+                <a:cs typeface="+mn-cs"/>
+              </a:defRPr>
+            </a:lvl2pPr>
+            <a:lvl3pPr marL="1143000" indent="-228600" algn="l" defTabSz="914400" rtl="0" eaLnBrk="1" latinLnBrk="0" hangingPunct="1">
+              <a:lnSpc>
+                <a:spcPct val="90000"/>
+              </a:lnSpc>
+              <a:spcBef>
+                <a:spcPts val="500"/>
+              </a:spcBef>
+              <a:buFont typeface="Arial" panose="020B0604020202020204" pitchFamily="34" charset="0"/>
+              <a:buChar char="•"/>
+              <a:defRPr sz="2000" kern="1200">
+                <a:solidFill>
+                  <a:schemeClr val="tx1"/>
+                </a:solidFill>
+                <a:latin typeface="+mn-lt"/>
+                <a:ea typeface="+mn-ea"/>
+                <a:cs typeface="+mn-cs"/>
+              </a:defRPr>
+            </a:lvl3pPr>
+            <a:lvl4pPr marL="1600200" indent="-228600" algn="l" defTabSz="914400" rtl="0" eaLnBrk="1" latinLnBrk="0" hangingPunct="1">
+              <a:lnSpc>
+                <a:spcPct val="90000"/>
+              </a:lnSpc>
+              <a:spcBef>
+                <a:spcPts val="500"/>
+              </a:spcBef>
+              <a:buFont typeface="Arial" panose="020B0604020202020204" pitchFamily="34" charset="0"/>
+              <a:buChar char="•"/>
+              <a:defRPr sz="1800" kern="1200">
+                <a:solidFill>
+                  <a:schemeClr val="tx1"/>
+                </a:solidFill>
+                <a:latin typeface="+mn-lt"/>
+                <a:ea typeface="+mn-ea"/>
+                <a:cs typeface="+mn-cs"/>
+              </a:defRPr>
+            </a:lvl4pPr>
+            <a:lvl5pPr marL="2057400" indent="-228600" algn="l" defTabSz="914400" rtl="0" eaLnBrk="1" latinLnBrk="0" hangingPunct="1">
+              <a:lnSpc>
+                <a:spcPct val="90000"/>
+              </a:lnSpc>
+              <a:spcBef>
+                <a:spcPts val="500"/>
+              </a:spcBef>
+              <a:buFont typeface="Arial" panose="020B0604020202020204" pitchFamily="34" charset="0"/>
+              <a:buChar char="•"/>
+              <a:defRPr sz="1800" kern="1200">
+                <a:solidFill>
+                  <a:schemeClr val="tx1"/>
+                </a:solidFill>
+                <a:latin typeface="+mn-lt"/>
+                <a:ea typeface="+mn-ea"/>
+                <a:cs typeface="+mn-cs"/>
+              </a:defRPr>
+            </a:lvl5pPr>
+            <a:lvl6pPr marL="2514600" indent="-228600" algn="l" defTabSz="914400" rtl="0" eaLnBrk="1" latinLnBrk="0" hangingPunct="1">
+              <a:lnSpc>
+                <a:spcPct val="90000"/>
+              </a:lnSpc>
+              <a:spcBef>
+                <a:spcPts val="500"/>
+              </a:spcBef>
+              <a:buFont typeface="Arial" panose="020B0604020202020204" pitchFamily="34" charset="0"/>
+              <a:buChar char="•"/>
+              <a:defRPr sz="1800" kern="1200">
+                <a:solidFill>
+                  <a:schemeClr val="tx1"/>
+                </a:solidFill>
+                <a:latin typeface="+mn-lt"/>
+                <a:ea typeface="+mn-ea"/>
+                <a:cs typeface="+mn-cs"/>
+              </a:defRPr>
+            </a:lvl6pPr>
+            <a:lvl7pPr marL="2971800" indent="-228600" algn="l" defTabSz="914400" rtl="0" eaLnBrk="1" latinLnBrk="0" hangingPunct="1">
+              <a:lnSpc>
+                <a:spcPct val="90000"/>
+              </a:lnSpc>
+              <a:spcBef>
+                <a:spcPts val="500"/>
+              </a:spcBef>
+              <a:buFont typeface="Arial" panose="020B0604020202020204" pitchFamily="34" charset="0"/>
+              <a:buChar char="•"/>
+              <a:defRPr sz="1800" kern="1200">
+                <a:solidFill>
+                  <a:schemeClr val="tx1"/>
+                </a:solidFill>
+                <a:latin typeface="+mn-lt"/>
+                <a:ea typeface="+mn-ea"/>
+                <a:cs typeface="+mn-cs"/>
+              </a:defRPr>
+            </a:lvl7pPr>
+            <a:lvl8pPr marL="3429000" indent="-228600" algn="l" defTabSz="914400" rtl="0" eaLnBrk="1" latinLnBrk="0" hangingPunct="1">
+              <a:lnSpc>
+                <a:spcPct val="90000"/>
+              </a:lnSpc>
+              <a:spcBef>
+                <a:spcPts val="500"/>
+              </a:spcBef>
+              <a:buFont typeface="Arial" panose="020B0604020202020204" pitchFamily="34" charset="0"/>
+              <a:buChar char="•"/>
+              <a:defRPr sz="1800" kern="1200">
+                <a:solidFill>
+                  <a:schemeClr val="tx1"/>
+                </a:solidFill>
+                <a:latin typeface="+mn-lt"/>
+                <a:ea typeface="+mn-ea"/>
+                <a:cs typeface="+mn-cs"/>
+              </a:defRPr>
+            </a:lvl8pPr>
+            <a:lvl9pPr marL="3886200" indent="-228600" algn="l" defTabSz="914400" rtl="0" eaLnBrk="1" latinLnBrk="0" hangingPunct="1">
+              <a:lnSpc>
+                <a:spcPct val="90000"/>
+              </a:lnSpc>
+              <a:spcBef>
+                <a:spcPts val="500"/>
+              </a:spcBef>
+              <a:buFont typeface="Arial" panose="020B0604020202020204" pitchFamily="34" charset="0"/>
+              <a:buChar char="•"/>
+              <a:defRPr sz="1800" kern="1200">
+                <a:solidFill>
+                  <a:schemeClr val="tx1"/>
+                </a:solidFill>
+                <a:latin typeface="+mn-lt"/>
+                <a:ea typeface="+mn-ea"/>
+                <a:cs typeface="+mn-cs"/>
+              </a:defRPr>
+            </a:lvl9pPr>
+          </a:lstStyle>
+          <a:p>
+            <a:pPr marL="0" indent="0">
+              <a:buFont typeface="Arial" panose="020B0604020202020204" pitchFamily="34" charset="0"/>
+              <a:buNone/>
+            </a:pPr>
+            <a:r>
+              <a:rPr lang="en-US" sz="1600" dirty="0">
+                <a:solidFill>
+                  <a:schemeClr val="tx2">
+                    <a:lumMod val="90000"/>
+                    <a:lumOff val="10000"/>
+                  </a:schemeClr>
+                </a:solidFill>
+                <a:latin typeface="Georgia" panose="02040502050405020303" pitchFamily="18" charset="0"/>
+              </a:rPr>
+              <a:t>Edwards et al. (2020)</a:t>
+            </a:r>
+          </a:p>
+        </p:txBody>
+      </p:sp>
+      <p:pic>
+        <p:nvPicPr>
+          <p:cNvPr id="8" name="Picture 7">
+            <a:extLst>
+              <a:ext uri="{FF2B5EF4-FFF2-40B4-BE49-F238E27FC236}">
+                <a16:creationId xmlns:a16="http://schemas.microsoft.com/office/drawing/2014/main" id="{4ECF481C-2149-847D-2CAC-550AE37910BB}"/>
+              </a:ext>
+            </a:extLst>
+          </p:cNvPr>
+          <p:cNvPicPr>
+            <a:picLocks noChangeAspect="1"/>
+          </p:cNvPicPr>
+          <p:nvPr/>
+        </p:nvPicPr>
+        <p:blipFill>
+          <a:blip r:embed="rId3"/>
+          <a:srcRect r="7742"/>
+          <a:stretch/>
+        </p:blipFill>
+        <p:spPr>
+          <a:xfrm>
+            <a:off x="7569666" y="158445"/>
+            <a:ext cx="3871673" cy="2332045"/>
+          </a:xfrm>
+          <a:prstGeom prst="rect">
+            <a:avLst/>
+          </a:prstGeom>
+          <a:ln w="19050">
+            <a:solidFill>
+              <a:schemeClr val="tx2">
+                <a:lumMod val="90000"/>
+                <a:lumOff val="10000"/>
+              </a:schemeClr>
+            </a:solidFill>
+          </a:ln>
+        </p:spPr>
+      </p:pic>
+      <p:sp>
+        <p:nvSpPr>
+          <p:cNvPr id="9" name="Content Placeholder 2">
+            <a:extLst>
+              <a:ext uri="{FF2B5EF4-FFF2-40B4-BE49-F238E27FC236}">
+                <a16:creationId xmlns:a16="http://schemas.microsoft.com/office/drawing/2014/main" id="{063E0FE5-9713-C1AE-4CB5-5839FC6720D9}"/>
+              </a:ext>
+            </a:extLst>
+          </p:cNvPr>
+          <p:cNvSpPr txBox="1">
+            <a:spLocks/>
+          </p:cNvSpPr>
+          <p:nvPr/>
+        </p:nvSpPr>
+        <p:spPr>
+          <a:xfrm>
+            <a:off x="10023172" y="2526430"/>
+            <a:ext cx="2226366" cy="342694"/>
+          </a:xfrm>
+          <a:prstGeom prst="rect">
+            <a:avLst/>
+          </a:prstGeom>
+        </p:spPr>
+        <p:txBody>
+          <a:bodyPr vert="horz" lIns="91440" tIns="45720" rIns="91440" bIns="45720" rtlCol="0">
+            <a:normAutofit/>
+          </a:bodyPr>
+          <a:lstStyle>
+            <a:lvl1pPr marL="228600" indent="-228600" algn="l" defTabSz="914400" rtl="0" eaLnBrk="1" latinLnBrk="0" hangingPunct="1">
+              <a:lnSpc>
+                <a:spcPct val="90000"/>
+              </a:lnSpc>
+              <a:spcBef>
+                <a:spcPts val="1000"/>
+              </a:spcBef>
+              <a:buFont typeface="Arial" panose="020B0604020202020204" pitchFamily="34" charset="0"/>
+              <a:buChar char="•"/>
+              <a:defRPr sz="2800" kern="1200">
+                <a:solidFill>
+                  <a:schemeClr val="tx1"/>
+                </a:solidFill>
+                <a:latin typeface="+mn-lt"/>
+                <a:ea typeface="+mn-ea"/>
+                <a:cs typeface="+mn-cs"/>
+              </a:defRPr>
+            </a:lvl1pPr>
+            <a:lvl2pPr marL="685800" indent="-228600" algn="l" defTabSz="914400" rtl="0" eaLnBrk="1" latinLnBrk="0" hangingPunct="1">
+              <a:lnSpc>
+                <a:spcPct val="90000"/>
+              </a:lnSpc>
+              <a:spcBef>
+                <a:spcPts val="500"/>
+              </a:spcBef>
+              <a:buFont typeface="Arial" panose="020B0604020202020204" pitchFamily="34" charset="0"/>
+              <a:buChar char="•"/>
+              <a:defRPr sz="2400" kern="1200">
+                <a:solidFill>
+                  <a:schemeClr val="tx1"/>
+                </a:solidFill>
+                <a:latin typeface="+mn-lt"/>
+                <a:ea typeface="+mn-ea"/>
+                <a:cs typeface="+mn-cs"/>
+              </a:defRPr>
+            </a:lvl2pPr>
+            <a:lvl3pPr marL="1143000" indent="-228600" algn="l" defTabSz="914400" rtl="0" eaLnBrk="1" latinLnBrk="0" hangingPunct="1">
+              <a:lnSpc>
+                <a:spcPct val="90000"/>
+              </a:lnSpc>
+              <a:spcBef>
+                <a:spcPts val="500"/>
+              </a:spcBef>
+              <a:buFont typeface="Arial" panose="020B0604020202020204" pitchFamily="34" charset="0"/>
+              <a:buChar char="•"/>
+              <a:defRPr sz="2000" kern="1200">
+                <a:solidFill>
+                  <a:schemeClr val="tx1"/>
+                </a:solidFill>
+                <a:latin typeface="+mn-lt"/>
+                <a:ea typeface="+mn-ea"/>
+                <a:cs typeface="+mn-cs"/>
+              </a:defRPr>
+            </a:lvl3pPr>
+            <a:lvl4pPr marL="1600200" indent="-228600" algn="l" defTabSz="914400" rtl="0" eaLnBrk="1" latinLnBrk="0" hangingPunct="1">
+              <a:lnSpc>
+                <a:spcPct val="90000"/>
+              </a:lnSpc>
+              <a:spcBef>
+                <a:spcPts val="500"/>
+              </a:spcBef>
+              <a:buFont typeface="Arial" panose="020B0604020202020204" pitchFamily="34" charset="0"/>
+              <a:buChar char="•"/>
+              <a:defRPr sz="1800" kern="1200">
+                <a:solidFill>
+                  <a:schemeClr val="tx1"/>
+                </a:solidFill>
+                <a:latin typeface="+mn-lt"/>
+                <a:ea typeface="+mn-ea"/>
+                <a:cs typeface="+mn-cs"/>
+              </a:defRPr>
+            </a:lvl4pPr>
+            <a:lvl5pPr marL="2057400" indent="-228600" algn="l" defTabSz="914400" rtl="0" eaLnBrk="1" latinLnBrk="0" hangingPunct="1">
+              <a:lnSpc>
+                <a:spcPct val="90000"/>
+              </a:lnSpc>
+              <a:spcBef>
+                <a:spcPts val="500"/>
+              </a:spcBef>
+              <a:buFont typeface="Arial" panose="020B0604020202020204" pitchFamily="34" charset="0"/>
+              <a:buChar char="•"/>
+              <a:defRPr sz="1800" kern="1200">
+                <a:solidFill>
+                  <a:schemeClr val="tx1"/>
+                </a:solidFill>
+                <a:latin typeface="+mn-lt"/>
+                <a:ea typeface="+mn-ea"/>
+                <a:cs typeface="+mn-cs"/>
+              </a:defRPr>
+            </a:lvl5pPr>
+            <a:lvl6pPr marL="2514600" indent="-228600" algn="l" defTabSz="914400" rtl="0" eaLnBrk="1" latinLnBrk="0" hangingPunct="1">
+              <a:lnSpc>
+                <a:spcPct val="90000"/>
+              </a:lnSpc>
+              <a:spcBef>
+                <a:spcPts val="500"/>
+              </a:spcBef>
+              <a:buFont typeface="Arial" panose="020B0604020202020204" pitchFamily="34" charset="0"/>
+              <a:buChar char="•"/>
+              <a:defRPr sz="1800" kern="1200">
+                <a:solidFill>
+                  <a:schemeClr val="tx1"/>
+                </a:solidFill>
+                <a:latin typeface="+mn-lt"/>
+                <a:ea typeface="+mn-ea"/>
+                <a:cs typeface="+mn-cs"/>
+              </a:defRPr>
+            </a:lvl6pPr>
+            <a:lvl7pPr marL="2971800" indent="-228600" algn="l" defTabSz="914400" rtl="0" eaLnBrk="1" latinLnBrk="0" hangingPunct="1">
+              <a:lnSpc>
+                <a:spcPct val="90000"/>
+              </a:lnSpc>
+              <a:spcBef>
+                <a:spcPts val="500"/>
+              </a:spcBef>
+              <a:buFont typeface="Arial" panose="020B0604020202020204" pitchFamily="34" charset="0"/>
+              <a:buChar char="•"/>
+              <a:defRPr sz="1800" kern="1200">
+                <a:solidFill>
+                  <a:schemeClr val="tx1"/>
+                </a:solidFill>
+                <a:latin typeface="+mn-lt"/>
+                <a:ea typeface="+mn-ea"/>
+                <a:cs typeface="+mn-cs"/>
+              </a:defRPr>
+            </a:lvl7pPr>
+            <a:lvl8pPr marL="3429000" indent="-228600" algn="l" defTabSz="914400" rtl="0" eaLnBrk="1" latinLnBrk="0" hangingPunct="1">
+              <a:lnSpc>
+                <a:spcPct val="90000"/>
+              </a:lnSpc>
+              <a:spcBef>
+                <a:spcPts val="500"/>
+              </a:spcBef>
+              <a:buFont typeface="Arial" panose="020B0604020202020204" pitchFamily="34" charset="0"/>
+              <a:buChar char="•"/>
+              <a:defRPr sz="1800" kern="1200">
+                <a:solidFill>
+                  <a:schemeClr val="tx1"/>
+                </a:solidFill>
+                <a:latin typeface="+mn-lt"/>
+                <a:ea typeface="+mn-ea"/>
+                <a:cs typeface="+mn-cs"/>
+              </a:defRPr>
+            </a:lvl8pPr>
+            <a:lvl9pPr marL="3886200" indent="-228600" algn="l" defTabSz="914400" rtl="0" eaLnBrk="1" latinLnBrk="0" hangingPunct="1">
+              <a:lnSpc>
+                <a:spcPct val="90000"/>
+              </a:lnSpc>
+              <a:spcBef>
+                <a:spcPts val="500"/>
+              </a:spcBef>
+              <a:buFont typeface="Arial" panose="020B0604020202020204" pitchFamily="34" charset="0"/>
+              <a:buChar char="•"/>
+              <a:defRPr sz="1800" kern="1200">
+                <a:solidFill>
+                  <a:schemeClr val="tx1"/>
+                </a:solidFill>
+                <a:latin typeface="+mn-lt"/>
+                <a:ea typeface="+mn-ea"/>
+                <a:cs typeface="+mn-cs"/>
+              </a:defRPr>
+            </a:lvl9pPr>
+          </a:lstStyle>
+          <a:p>
+            <a:pPr marL="0" indent="0">
+              <a:buFont typeface="Arial" panose="020B0604020202020204" pitchFamily="34" charset="0"/>
+              <a:buNone/>
+            </a:pPr>
+            <a:r>
+              <a:rPr lang="en-US" sz="1600" dirty="0">
+                <a:solidFill>
+                  <a:schemeClr val="tx2">
+                    <a:lumMod val="90000"/>
+                    <a:lumOff val="10000"/>
+                  </a:schemeClr>
+                </a:solidFill>
+                <a:latin typeface="Georgia" panose="02040502050405020303" pitchFamily="18" charset="0"/>
+              </a:rPr>
+              <a:t>Gilli et al. (2019)</a:t>
+            </a:r>
           </a:p>
         </p:txBody>
       </p:sp>
@@ -3578,6 +4400,194 @@
     <p:extLst>
       <p:ext uri="{BB962C8B-B14F-4D97-AF65-F5344CB8AC3E}">
         <p14:creationId xmlns:p14="http://schemas.microsoft.com/office/powerpoint/2010/main" val="443041042"/>
+      </p:ext>
+    </p:extLst>
+  </p:cSld>
+  <p:clrMapOvr>
+    <a:masterClrMapping/>
+  </p:clrMapOvr>
+</p:sld>
+</file>
+
+<file path=ppt/slides/slide3.xml><?xml version="1.0" encoding="utf-8"?>
+<p:sld xmlns:a="http://schemas.openxmlformats.org/drawingml/2006/main" xmlns:r="http://schemas.openxmlformats.org/officeDocument/2006/relationships" xmlns:p="http://schemas.openxmlformats.org/presentationml/2006/main">
+  <p:cSld>
+    <p:bg>
+      <p:bgPr>
+        <a:solidFill>
+          <a:srgbClr val="EFF7FF"/>
+        </a:solidFill>
+        <a:effectLst/>
+      </p:bgPr>
+    </p:bg>
+    <p:spTree>
+      <p:nvGrpSpPr>
+        <p:cNvPr id="1" name="">
+          <a:extLst>
+            <a:ext uri="{FF2B5EF4-FFF2-40B4-BE49-F238E27FC236}">
+              <a16:creationId xmlns:a16="http://schemas.microsoft.com/office/drawing/2014/main" id="{9FD823A6-7BB4-9435-2718-8266A287DA77}"/>
+            </a:ext>
+          </a:extLst>
+        </p:cNvPr>
+        <p:cNvGrpSpPr/>
+        <p:nvPr/>
+      </p:nvGrpSpPr>
+      <p:grpSpPr>
+        <a:xfrm>
+          <a:off x="0" y="0"/>
+          <a:ext cx="0" cy="0"/>
+          <a:chOff x="0" y="0"/>
+          <a:chExt cx="0" cy="0"/>
+        </a:xfrm>
+      </p:grpSpPr>
+      <p:sp>
+        <p:nvSpPr>
+          <p:cNvPr id="2" name="Title 1">
+            <a:extLst>
+              <a:ext uri="{FF2B5EF4-FFF2-40B4-BE49-F238E27FC236}">
+                <a16:creationId xmlns:a16="http://schemas.microsoft.com/office/drawing/2014/main" id="{B2A600DC-A5E9-A3AD-7C86-4E690C268150}"/>
+              </a:ext>
+            </a:extLst>
+          </p:cNvPr>
+          <p:cNvSpPr>
+            <a:spLocks noGrp="1"/>
+          </p:cNvSpPr>
+          <p:nvPr>
+            <p:ph type="title"/>
+          </p:nvPr>
+        </p:nvSpPr>
+        <p:spPr>
+          <a:xfrm>
+            <a:off x="376030" y="201130"/>
+            <a:ext cx="10515600" cy="866516"/>
+          </a:xfrm>
+        </p:spPr>
+        <p:txBody>
+          <a:bodyPr/>
+          <a:lstStyle/>
+          <a:p>
+            <a:r>
+              <a:rPr lang="en-US" dirty="0">
+                <a:latin typeface="Georgia" panose="02040502050405020303" pitchFamily="18" charset="0"/>
+              </a:rPr>
+              <a:t>Gradient (steepest) descent </a:t>
+            </a:r>
+          </a:p>
+        </p:txBody>
+      </p:sp>
+      <p:sp>
+        <p:nvSpPr>
+          <p:cNvPr id="3" name="Content Placeholder 2">
+            <a:extLst>
+              <a:ext uri="{FF2B5EF4-FFF2-40B4-BE49-F238E27FC236}">
+                <a16:creationId xmlns:a16="http://schemas.microsoft.com/office/drawing/2014/main" id="{C73E853D-48E9-B9DA-DC67-87354BEE5893}"/>
+              </a:ext>
+            </a:extLst>
+          </p:cNvPr>
+          <p:cNvSpPr>
+            <a:spLocks noGrp="1"/>
+          </p:cNvSpPr>
+          <p:nvPr>
+            <p:ph idx="1"/>
+          </p:nvPr>
+        </p:nvSpPr>
+        <p:spPr>
+          <a:xfrm>
+            <a:off x="506897" y="1224280"/>
+            <a:ext cx="6473024" cy="5507133"/>
+          </a:xfrm>
+        </p:spPr>
+        <p:txBody>
+          <a:bodyPr>
+            <a:normAutofit/>
+          </a:bodyPr>
+          <a:lstStyle/>
+          <a:p>
+            <a:pPr marL="0" indent="0">
+              <a:buNone/>
+            </a:pPr>
+            <a:r>
+              <a:rPr lang="en-US" dirty="0">
+                <a:latin typeface="Georgia" panose="02040502050405020303" pitchFamily="18" charset="0"/>
+              </a:rPr>
+              <a:t>Math</a:t>
+            </a:r>
+          </a:p>
+          <a:p>
+            <a:pPr marL="914400" lvl="2" indent="0">
+              <a:buNone/>
+            </a:pPr>
+            <a:endParaRPr lang="en-US" sz="2000" dirty="0">
+              <a:solidFill>
+                <a:schemeClr val="accent6">
+                  <a:lumMod val="50000"/>
+                </a:schemeClr>
+              </a:solidFill>
+              <a:latin typeface="Georgia" panose="02040502050405020303" pitchFamily="18" charset="0"/>
+            </a:endParaRPr>
+          </a:p>
+          <a:p>
+            <a:pPr marL="914400" lvl="2" indent="0">
+              <a:buNone/>
+            </a:pPr>
+            <a:endParaRPr lang="en-US" dirty="0">
+              <a:solidFill>
+                <a:schemeClr val="accent6">
+                  <a:lumMod val="50000"/>
+                </a:schemeClr>
+              </a:solidFill>
+              <a:latin typeface="Georgia" panose="02040502050405020303" pitchFamily="18" charset="0"/>
+            </a:endParaRPr>
+          </a:p>
+          <a:p>
+            <a:pPr marL="914400" lvl="2" indent="0">
+              <a:buNone/>
+            </a:pPr>
+            <a:endParaRPr lang="en-US" dirty="0">
+              <a:solidFill>
+                <a:schemeClr val="accent6">
+                  <a:lumMod val="50000"/>
+                </a:schemeClr>
+              </a:solidFill>
+              <a:latin typeface="Georgia" panose="02040502050405020303" pitchFamily="18" charset="0"/>
+            </a:endParaRPr>
+          </a:p>
+        </p:txBody>
+      </p:sp>
+      <p:pic>
+        <p:nvPicPr>
+          <p:cNvPr id="4" name="Picture 3">
+            <a:extLst>
+              <a:ext uri="{FF2B5EF4-FFF2-40B4-BE49-F238E27FC236}">
+                <a16:creationId xmlns:a16="http://schemas.microsoft.com/office/drawing/2014/main" id="{284D1A16-B437-B135-F74C-701E27DA3DA4}"/>
+              </a:ext>
+            </a:extLst>
+          </p:cNvPr>
+          <p:cNvPicPr>
+            <a:picLocks noChangeAspect="1"/>
+          </p:cNvPicPr>
+          <p:nvPr/>
+        </p:nvPicPr>
+        <p:blipFill>
+          <a:blip r:embed="rId2"/>
+          <a:stretch>
+            <a:fillRect/>
+          </a:stretch>
+        </p:blipFill>
+        <p:spPr>
+          <a:xfrm>
+            <a:off x="7473070" y="563556"/>
+            <a:ext cx="4580336" cy="3183496"/>
+          </a:xfrm>
+          <a:prstGeom prst="rect">
+            <a:avLst/>
+          </a:prstGeom>
+        </p:spPr>
+      </p:pic>
+    </p:spTree>
+    <p:extLst>
+      <p:ext uri="{BB962C8B-B14F-4D97-AF65-F5344CB8AC3E}">
+        <p14:creationId xmlns:p14="http://schemas.microsoft.com/office/powerpoint/2010/main" val="3084354289"/>
       </p:ext>
     </p:extLst>
   </p:cSld>
